--- a/Mandarin_Vocabulary_PPT.pptx
+++ b/Mandarin_Vocabulary_PPT.pptx
@@ -9,6 +9,18 @@
     <p:sldId id="257" r:id="rId8"/>
     <p:sldId id="258" r:id="rId9"/>
     <p:sldId id="259" r:id="rId10"/>
+    <p:sldId id="260" r:id="rId11"/>
+    <p:sldId id="261" r:id="rId12"/>
+    <p:sldId id="262" r:id="rId13"/>
+    <p:sldId id="263" r:id="rId14"/>
+    <p:sldId id="264" r:id="rId15"/>
+    <p:sldId id="265" r:id="rId16"/>
+    <p:sldId id="266" r:id="rId17"/>
+    <p:sldId id="267" r:id="rId18"/>
+    <p:sldId id="268" r:id="rId19"/>
+    <p:sldId id="269" r:id="rId20"/>
+    <p:sldId id="270" r:id="rId21"/>
+    <p:sldId id="271" r:id="rId22"/>
   </p:sldIdLst>
   <p:sldSz cx="9144000" cy="6858000" type="screen4x3"/>
   <p:notesSz cx="6858000" cy="9144000"/>
@@ -3106,6 +3118,13 @@
           <a:bodyPr/>
           <a:lstStyle/>
           <a:p>
+            <a:pPr>
+              <a:defRPr sz="6000" b="1">
+                <a:solidFill>
+                  <a:srgbClr val="FF4500"/>
+                </a:solidFill>
+              </a:defRPr>
+            </a:pPr>
             <a:r>
               <a:t>Mandarin Vocabulary</a:t>
             </a:r>
@@ -3127,6 +3146,13 @@
           <a:bodyPr/>
           <a:lstStyle/>
           <a:p>
+            <a:pPr>
+              <a:defRPr sz="3200">
+                <a:solidFill>
+                  <a:srgbClr val="0080FF"/>
+                </a:solidFill>
+              </a:defRPr>
+            </a:pPr>
             <a:r>
               <a:t>Generated by Mandarin PPT Generator</a:t>
             </a:r>
@@ -3141,9 +3167,17 @@
 </p:sld>
 </file>
 
-<file path=ppt/slides/slide2.xml><?xml version="1.0" encoding="utf-8"?>
+<file path=ppt/slides/slide10.xml><?xml version="1.0" encoding="utf-8"?>
 <p:sld xmlns:a="http://schemas.openxmlformats.org/drawingml/2006/main" xmlns:p="http://schemas.openxmlformats.org/presentationml/2006/main" xmlns:r="http://schemas.openxmlformats.org/officeDocument/2006/relationships">
   <p:cSld>
+    <p:bg>
+      <p:bgPr>
+        <a:solidFill>
+          <a:srgbClr val="FFEFD5"/>
+        </a:solidFill>
+        <a:effectLst/>
+      </p:bgPr>
+    </p:bg>
     <p:spTree>
       <p:nvGrpSpPr>
         <p:cNvPr id="1" name=""/>
@@ -3153,68 +3187,183 @@
       <p:grpSpPr/>
       <p:sp>
         <p:nvSpPr>
-          <p:cNvPr id="2" name="Title 1"/>
-          <p:cNvSpPr>
-            <a:spLocks noGrp="1"/>
-          </p:cNvSpPr>
-          <p:nvPr>
-            <p:ph type="title"/>
-          </p:nvPr>
-        </p:nvSpPr>
-        <p:spPr/>
-        <p:txBody>
-          <a:bodyPr/>
-          <a:lstStyle/>
-          <a:p>
-            <a:pPr>
-              <a:defRPr sz="4400"/>
+          <p:cNvPr id="2" name="TextBox 1"/>
+          <p:cNvSpPr txBox="1"/>
+          <p:nvPr/>
+        </p:nvSpPr>
+        <p:spPr>
+          <a:xfrm>
+            <a:off x="5486400" y="457200"/>
+            <a:ext cx="2743200" cy="914400"/>
+          </a:xfrm>
+          <a:prstGeom prst="rect">
+            <a:avLst/>
+          </a:prstGeom>
+          <a:noFill/>
+        </p:spPr>
+        <p:txBody>
+          <a:bodyPr wrap="none">
+            <a:spAutoFit/>
+          </a:bodyPr>
+          <a:lstStyle/>
+          <a:p>
+            <a:pPr algn="r">
+              <a:defRPr sz="2800">
+                <a:solidFill>
+                  <a:srgbClr val="006400"/>
+                </a:solidFill>
+              </a:defRPr>
             </a:pPr>
             <a:r>
-              <a:t>你好</a:t>
-            </a:r>
-          </a:p>
-        </p:txBody>
-      </p:sp>
-      <p:sp>
-        <p:nvSpPr>
-          <p:cNvPr id="3" name="Content Placeholder 2"/>
-          <p:cNvSpPr>
-            <a:spLocks noGrp="1"/>
-          </p:cNvSpPr>
-          <p:nvPr>
-            <p:ph idx="1"/>
-          </p:nvPr>
-        </p:nvSpPr>
-        <p:spPr/>
-        <p:txBody>
-          <a:bodyPr/>
-          <a:lstStyle/>
-          <a:p>
-            <a:pPr>
-              <a:defRPr sz="2400"/>
+              <a:t>wài gōng</a:t>
+            </a:r>
+          </a:p>
+        </p:txBody>
+      </p:sp>
+      <p:sp>
+        <p:nvSpPr>
+          <p:cNvPr id="3" name="TextBox 2"/>
+          <p:cNvSpPr txBox="1"/>
+          <p:nvPr/>
+        </p:nvSpPr>
+        <p:spPr>
+          <a:xfrm>
+            <a:off x="5486400" y="1828800"/>
+            <a:ext cx="2743200" cy="1828800"/>
+          </a:xfrm>
+          <a:prstGeom prst="rect">
+            <a:avLst/>
+          </a:prstGeom>
+          <a:noFill/>
+        </p:spPr>
+        <p:txBody>
+          <a:bodyPr wrap="none">
+            <a:spAutoFit/>
+          </a:bodyPr>
+          <a:lstStyle/>
+          <a:p>
+            <a:pPr algn="r">
+              <a:defRPr sz="6000" b="1">
+                <a:solidFill>
+                  <a:srgbClr val="FF0000"/>
+                </a:solidFill>
+              </a:defRPr>
             </a:pPr>
             <a:r>
-              <a:t>Pinyin: nǐ hǎo</a:t>
-            </a:r>
-          </a:p>
-          <a:p>
-            <a:r>
-              <a:t>English: Hello</a:t>
-            </a:r>
-          </a:p>
-        </p:txBody>
-      </p:sp>
+              <a:t>外公</a:t>
+            </a:r>
+          </a:p>
+        </p:txBody>
+      </p:sp>
+      <p:sp>
+        <p:nvSpPr>
+          <p:cNvPr id="4" name="TextBox 3"/>
+          <p:cNvSpPr txBox="1"/>
+          <p:nvPr/>
+        </p:nvSpPr>
+        <p:spPr>
+          <a:xfrm>
+            <a:off x="5486400" y="4114800"/>
+            <a:ext cx="2743200" cy="914400"/>
+          </a:xfrm>
+          <a:prstGeom prst="rect">
+            <a:avLst/>
+          </a:prstGeom>
+          <a:noFill/>
+        </p:spPr>
+        <p:txBody>
+          <a:bodyPr wrap="none">
+            <a:spAutoFit/>
+          </a:bodyPr>
+          <a:lstStyle/>
+          <a:p>
+            <a:pPr algn="r">
+              <a:defRPr sz="2800">
+                <a:solidFill>
+                  <a:srgbClr val="0000FF"/>
+                </a:solidFill>
+              </a:defRPr>
+            </a:pPr>
+            <a:r>
+              <a:t>grandfather (maternal)</a:t>
+            </a:r>
+          </a:p>
+        </p:txBody>
+      </p:sp>
+      <p:pic>
+        <p:nvPicPr>
+          <p:cNvPr id="5" name="tmp5y652b5e.mp3">
+            <a:hlinkClick r:id="" action="ppaction://media"/>
+          </p:cNvPr>
+          <p:cNvPicPr>
+            <a:picLocks noChangeAspect="1"/>
+          </p:cNvPicPr>
+          <p:nvPr>
+            <a:videoFile r:link="rId3"/>
+            <p:extLst>
+              <p:ext uri="{DAA4B4D4-6D71-4841-9C94-3DE7FCFB9230}">
+                <p14:media xmlns:p14="http://schemas.microsoft.com/office/powerpoint/2010/main" r:embed="rId2"/>
+              </p:ext>
+            </p:extLst>
+          </p:nvPr>
+        </p:nvPicPr>
+        <p:blipFill>
+          <a:blip r:embed="rId4"/>
+          <a:stretch>
+            <a:fillRect/>
+          </a:stretch>
+        </p:blipFill>
+        <p:spPr>
+          <a:xfrm>
+            <a:off x="6400800" y="5029200"/>
+            <a:ext cx="1828800" cy="914400"/>
+          </a:xfrm>
+          <a:prstGeom prst="rect">
+            <a:avLst/>
+          </a:prstGeom>
+        </p:spPr>
+      </p:pic>
     </p:spTree>
   </p:cSld>
   <p:clrMapOvr>
     <a:masterClrMapping/>
   </p:clrMapOvr>
+  <p:timing>
+    <p:tnLst>
+      <p:par>
+        <p:cTn id="1" dur="indefinite" restart="never" nodeType="tmRoot">
+          <p:childTnLst>
+            <p:video>
+              <p:cMediaNode vol="80000">
+                <p:cTn id="2" fill="hold" display="0">
+                  <p:stCondLst>
+                    <p:cond delay="indefinite"/>
+                  </p:stCondLst>
+                </p:cTn>
+                <p:tgtEl>
+                  <p:spTgt spid="5"/>
+                </p:tgtEl>
+              </p:cMediaNode>
+            </p:video>
+          </p:childTnLst>
+        </p:cTn>
+      </p:par>
+    </p:tnLst>
+  </p:timing>
 </p:sld>
 </file>
 
-<file path=ppt/slides/slide3.xml><?xml version="1.0" encoding="utf-8"?>
+<file path=ppt/slides/slide11.xml><?xml version="1.0" encoding="utf-8"?>
 <p:sld xmlns:a="http://schemas.openxmlformats.org/drawingml/2006/main" xmlns:p="http://schemas.openxmlformats.org/presentationml/2006/main" xmlns:r="http://schemas.openxmlformats.org/officeDocument/2006/relationships">
   <p:cSld>
+    <p:bg>
+      <p:bgPr>
+        <a:solidFill>
+          <a:srgbClr val="FFEFD5"/>
+        </a:solidFill>
+        <a:effectLst/>
+      </p:bgPr>
+    </p:bg>
     <p:spTree>
       <p:nvGrpSpPr>
         <p:cNvPr id="1" name=""/>
@@ -3224,68 +3373,183 @@
       <p:grpSpPr/>
       <p:sp>
         <p:nvSpPr>
-          <p:cNvPr id="2" name="Title 1"/>
-          <p:cNvSpPr>
-            <a:spLocks noGrp="1"/>
-          </p:cNvSpPr>
-          <p:nvPr>
-            <p:ph type="title"/>
-          </p:nvPr>
-        </p:nvSpPr>
-        <p:spPr/>
-        <p:txBody>
-          <a:bodyPr/>
-          <a:lstStyle/>
-          <a:p>
-            <a:pPr>
-              <a:defRPr sz="4400"/>
+          <p:cNvPr id="2" name="TextBox 1"/>
+          <p:cNvSpPr txBox="1"/>
+          <p:nvPr/>
+        </p:nvSpPr>
+        <p:spPr>
+          <a:xfrm>
+            <a:off x="5486400" y="457200"/>
+            <a:ext cx="2743200" cy="914400"/>
+          </a:xfrm>
+          <a:prstGeom prst="rect">
+            <a:avLst/>
+          </a:prstGeom>
+          <a:noFill/>
+        </p:spPr>
+        <p:txBody>
+          <a:bodyPr wrap="none">
+            <a:spAutoFit/>
+          </a:bodyPr>
+          <a:lstStyle/>
+          <a:p>
+            <a:pPr algn="r">
+              <a:defRPr sz="2800">
+                <a:solidFill>
+                  <a:srgbClr val="006400"/>
+                </a:solidFill>
+              </a:defRPr>
             </a:pPr>
             <a:r>
-              <a:t>谢谢</a:t>
-            </a:r>
-          </a:p>
-        </p:txBody>
-      </p:sp>
-      <p:sp>
-        <p:nvSpPr>
-          <p:cNvPr id="3" name="Content Placeholder 2"/>
-          <p:cNvSpPr>
-            <a:spLocks noGrp="1"/>
-          </p:cNvSpPr>
-          <p:nvPr>
-            <p:ph idx="1"/>
-          </p:nvPr>
-        </p:nvSpPr>
-        <p:spPr/>
-        <p:txBody>
-          <a:bodyPr/>
-          <a:lstStyle/>
-          <a:p>
-            <a:pPr>
-              <a:defRPr sz="2400"/>
+              <a:t>wài pó</a:t>
+            </a:r>
+          </a:p>
+        </p:txBody>
+      </p:sp>
+      <p:sp>
+        <p:nvSpPr>
+          <p:cNvPr id="3" name="TextBox 2"/>
+          <p:cNvSpPr txBox="1"/>
+          <p:nvPr/>
+        </p:nvSpPr>
+        <p:spPr>
+          <a:xfrm>
+            <a:off x="5486400" y="1828800"/>
+            <a:ext cx="2743200" cy="1828800"/>
+          </a:xfrm>
+          <a:prstGeom prst="rect">
+            <a:avLst/>
+          </a:prstGeom>
+          <a:noFill/>
+        </p:spPr>
+        <p:txBody>
+          <a:bodyPr wrap="none">
+            <a:spAutoFit/>
+          </a:bodyPr>
+          <a:lstStyle/>
+          <a:p>
+            <a:pPr algn="r">
+              <a:defRPr sz="6000" b="1">
+                <a:solidFill>
+                  <a:srgbClr val="FF0000"/>
+                </a:solidFill>
+              </a:defRPr>
             </a:pPr>
             <a:r>
-              <a:t>Pinyin: xiè xiè</a:t>
-            </a:r>
-          </a:p>
-          <a:p>
-            <a:r>
-              <a:t>English: Thank you</a:t>
-            </a:r>
-          </a:p>
-        </p:txBody>
-      </p:sp>
+              <a:t>外婆</a:t>
+            </a:r>
+          </a:p>
+        </p:txBody>
+      </p:sp>
+      <p:sp>
+        <p:nvSpPr>
+          <p:cNvPr id="4" name="TextBox 3"/>
+          <p:cNvSpPr txBox="1"/>
+          <p:nvPr/>
+        </p:nvSpPr>
+        <p:spPr>
+          <a:xfrm>
+            <a:off x="5486400" y="4114800"/>
+            <a:ext cx="2743200" cy="914400"/>
+          </a:xfrm>
+          <a:prstGeom prst="rect">
+            <a:avLst/>
+          </a:prstGeom>
+          <a:noFill/>
+        </p:spPr>
+        <p:txBody>
+          <a:bodyPr wrap="none">
+            <a:spAutoFit/>
+          </a:bodyPr>
+          <a:lstStyle/>
+          <a:p>
+            <a:pPr algn="r">
+              <a:defRPr sz="2800">
+                <a:solidFill>
+                  <a:srgbClr val="0000FF"/>
+                </a:solidFill>
+              </a:defRPr>
+            </a:pPr>
+            <a:r>
+              <a:t>grandmother (maternal)</a:t>
+            </a:r>
+          </a:p>
+        </p:txBody>
+      </p:sp>
+      <p:pic>
+        <p:nvPicPr>
+          <p:cNvPr id="5" name="tmpla2pcis4.mp3">
+            <a:hlinkClick r:id="" action="ppaction://media"/>
+          </p:cNvPr>
+          <p:cNvPicPr>
+            <a:picLocks noChangeAspect="1"/>
+          </p:cNvPicPr>
+          <p:nvPr>
+            <a:videoFile r:link="rId3"/>
+            <p:extLst>
+              <p:ext uri="{DAA4B4D4-6D71-4841-9C94-3DE7FCFB9230}">
+                <p14:media xmlns:p14="http://schemas.microsoft.com/office/powerpoint/2010/main" r:embed="rId2"/>
+              </p:ext>
+            </p:extLst>
+          </p:nvPr>
+        </p:nvPicPr>
+        <p:blipFill>
+          <a:blip r:embed="rId4"/>
+          <a:stretch>
+            <a:fillRect/>
+          </a:stretch>
+        </p:blipFill>
+        <p:spPr>
+          <a:xfrm>
+            <a:off x="6400800" y="5029200"/>
+            <a:ext cx="1828800" cy="914400"/>
+          </a:xfrm>
+          <a:prstGeom prst="rect">
+            <a:avLst/>
+          </a:prstGeom>
+        </p:spPr>
+      </p:pic>
     </p:spTree>
   </p:cSld>
   <p:clrMapOvr>
     <a:masterClrMapping/>
   </p:clrMapOvr>
+  <p:timing>
+    <p:tnLst>
+      <p:par>
+        <p:cTn id="1" dur="indefinite" restart="never" nodeType="tmRoot">
+          <p:childTnLst>
+            <p:video>
+              <p:cMediaNode vol="80000">
+                <p:cTn id="2" fill="hold" display="0">
+                  <p:stCondLst>
+                    <p:cond delay="indefinite"/>
+                  </p:stCondLst>
+                </p:cTn>
+                <p:tgtEl>
+                  <p:spTgt spid="5"/>
+                </p:tgtEl>
+              </p:cMediaNode>
+            </p:video>
+          </p:childTnLst>
+        </p:cTn>
+      </p:par>
+    </p:tnLst>
+  </p:timing>
 </p:sld>
 </file>
 
-<file path=ppt/slides/slide4.xml><?xml version="1.0" encoding="utf-8"?>
+<file path=ppt/slides/slide12.xml><?xml version="1.0" encoding="utf-8"?>
 <p:sld xmlns:a="http://schemas.openxmlformats.org/drawingml/2006/main" xmlns:p="http://schemas.openxmlformats.org/presentationml/2006/main" xmlns:r="http://schemas.openxmlformats.org/officeDocument/2006/relationships">
   <p:cSld>
+    <p:bg>
+      <p:bgPr>
+        <a:solidFill>
+          <a:srgbClr val="FFEFD5"/>
+        </a:solidFill>
+        <a:effectLst/>
+      </p:bgPr>
+    </p:bg>
     <p:spTree>
       <p:nvGrpSpPr>
         <p:cNvPr id="1" name=""/>
@@ -3295,62 +3559,2401 @@
       <p:grpSpPr/>
       <p:sp>
         <p:nvSpPr>
-          <p:cNvPr id="2" name="Title 1"/>
-          <p:cNvSpPr>
-            <a:spLocks noGrp="1"/>
-          </p:cNvSpPr>
-          <p:nvPr>
-            <p:ph type="title"/>
-          </p:nvPr>
-        </p:nvSpPr>
-        <p:spPr/>
-        <p:txBody>
-          <a:bodyPr/>
-          <a:lstStyle/>
-          <a:p>
-            <a:pPr>
-              <a:defRPr sz="4400"/>
+          <p:cNvPr id="2" name="TextBox 1"/>
+          <p:cNvSpPr txBox="1"/>
+          <p:nvPr/>
+        </p:nvSpPr>
+        <p:spPr>
+          <a:xfrm>
+            <a:off x="5486400" y="457200"/>
+            <a:ext cx="2743200" cy="914400"/>
+          </a:xfrm>
+          <a:prstGeom prst="rect">
+            <a:avLst/>
+          </a:prstGeom>
+          <a:noFill/>
+        </p:spPr>
+        <p:txBody>
+          <a:bodyPr wrap="none">
+            <a:spAutoFit/>
+          </a:bodyPr>
+          <a:lstStyle/>
+          <a:p>
+            <a:pPr algn="r">
+              <a:defRPr sz="2800">
+                <a:solidFill>
+                  <a:srgbClr val="006400"/>
+                </a:solidFill>
+              </a:defRPr>
             </a:pPr>
             <a:r>
-              <a:t>再见</a:t>
-            </a:r>
-          </a:p>
-        </p:txBody>
-      </p:sp>
-      <p:sp>
-        <p:nvSpPr>
-          <p:cNvPr id="3" name="Content Placeholder 2"/>
-          <p:cNvSpPr>
-            <a:spLocks noGrp="1"/>
-          </p:cNvSpPr>
-          <p:nvPr>
-            <p:ph idx="1"/>
-          </p:nvPr>
-        </p:nvSpPr>
-        <p:spPr/>
-        <p:txBody>
-          <a:bodyPr/>
-          <a:lstStyle/>
-          <a:p>
-            <a:pPr>
-              <a:defRPr sz="2400"/>
+              <a:t>hái zi</a:t>
+            </a:r>
+          </a:p>
+        </p:txBody>
+      </p:sp>
+      <p:sp>
+        <p:nvSpPr>
+          <p:cNvPr id="3" name="TextBox 2"/>
+          <p:cNvSpPr txBox="1"/>
+          <p:nvPr/>
+        </p:nvSpPr>
+        <p:spPr>
+          <a:xfrm>
+            <a:off x="5486400" y="1828800"/>
+            <a:ext cx="2743200" cy="1828800"/>
+          </a:xfrm>
+          <a:prstGeom prst="rect">
+            <a:avLst/>
+          </a:prstGeom>
+          <a:noFill/>
+        </p:spPr>
+        <p:txBody>
+          <a:bodyPr wrap="none">
+            <a:spAutoFit/>
+          </a:bodyPr>
+          <a:lstStyle/>
+          <a:p>
+            <a:pPr algn="r">
+              <a:defRPr sz="6000" b="1">
+                <a:solidFill>
+                  <a:srgbClr val="FF0000"/>
+                </a:solidFill>
+              </a:defRPr>
             </a:pPr>
             <a:r>
-              <a:t>Pinyin: zài jiàn</a:t>
-            </a:r>
-          </a:p>
-          <a:p>
-            <a:r>
-              <a:t>English: Goodbye</a:t>
-            </a:r>
-          </a:p>
-        </p:txBody>
-      </p:sp>
+              <a:t>孩子</a:t>
+            </a:r>
+          </a:p>
+        </p:txBody>
+      </p:sp>
+      <p:sp>
+        <p:nvSpPr>
+          <p:cNvPr id="4" name="TextBox 3"/>
+          <p:cNvSpPr txBox="1"/>
+          <p:nvPr/>
+        </p:nvSpPr>
+        <p:spPr>
+          <a:xfrm>
+            <a:off x="5486400" y="4114800"/>
+            <a:ext cx="2743200" cy="914400"/>
+          </a:xfrm>
+          <a:prstGeom prst="rect">
+            <a:avLst/>
+          </a:prstGeom>
+          <a:noFill/>
+        </p:spPr>
+        <p:txBody>
+          <a:bodyPr wrap="none">
+            <a:spAutoFit/>
+          </a:bodyPr>
+          <a:lstStyle/>
+          <a:p>
+            <a:pPr algn="r">
+              <a:defRPr sz="2800">
+                <a:solidFill>
+                  <a:srgbClr val="0000FF"/>
+                </a:solidFill>
+              </a:defRPr>
+            </a:pPr>
+            <a:r>
+              <a:t>child</a:t>
+            </a:r>
+          </a:p>
+        </p:txBody>
+      </p:sp>
+      <p:pic>
+        <p:nvPicPr>
+          <p:cNvPr id="5" name="tmpv8uuzg2x.mp3">
+            <a:hlinkClick r:id="" action="ppaction://media"/>
+          </p:cNvPr>
+          <p:cNvPicPr>
+            <a:picLocks noChangeAspect="1"/>
+          </p:cNvPicPr>
+          <p:nvPr>
+            <a:videoFile r:link="rId3"/>
+            <p:extLst>
+              <p:ext uri="{DAA4B4D4-6D71-4841-9C94-3DE7FCFB9230}">
+                <p14:media xmlns:p14="http://schemas.microsoft.com/office/powerpoint/2010/main" r:embed="rId2"/>
+              </p:ext>
+            </p:extLst>
+          </p:nvPr>
+        </p:nvPicPr>
+        <p:blipFill>
+          <a:blip r:embed="rId4"/>
+          <a:stretch>
+            <a:fillRect/>
+          </a:stretch>
+        </p:blipFill>
+        <p:spPr>
+          <a:xfrm>
+            <a:off x="6400800" y="5029200"/>
+            <a:ext cx="1828800" cy="914400"/>
+          </a:xfrm>
+          <a:prstGeom prst="rect">
+            <a:avLst/>
+          </a:prstGeom>
+        </p:spPr>
+      </p:pic>
     </p:spTree>
   </p:cSld>
   <p:clrMapOvr>
     <a:masterClrMapping/>
   </p:clrMapOvr>
+  <p:timing>
+    <p:tnLst>
+      <p:par>
+        <p:cTn id="1" dur="indefinite" restart="never" nodeType="tmRoot">
+          <p:childTnLst>
+            <p:video>
+              <p:cMediaNode vol="80000">
+                <p:cTn id="2" fill="hold" display="0">
+                  <p:stCondLst>
+                    <p:cond delay="indefinite"/>
+                  </p:stCondLst>
+                </p:cTn>
+                <p:tgtEl>
+                  <p:spTgt spid="5"/>
+                </p:tgtEl>
+              </p:cMediaNode>
+            </p:video>
+          </p:childTnLst>
+        </p:cTn>
+      </p:par>
+    </p:tnLst>
+  </p:timing>
+</p:sld>
+</file>
+
+<file path=ppt/slides/slide13.xml><?xml version="1.0" encoding="utf-8"?>
+<p:sld xmlns:a="http://schemas.openxmlformats.org/drawingml/2006/main" xmlns:p="http://schemas.openxmlformats.org/presentationml/2006/main" xmlns:r="http://schemas.openxmlformats.org/officeDocument/2006/relationships">
+  <p:cSld>
+    <p:bg>
+      <p:bgPr>
+        <a:solidFill>
+          <a:srgbClr val="FFEFD5"/>
+        </a:solidFill>
+        <a:effectLst/>
+      </p:bgPr>
+    </p:bg>
+    <p:spTree>
+      <p:nvGrpSpPr>
+        <p:cNvPr id="1" name=""/>
+        <p:cNvGrpSpPr/>
+        <p:nvPr/>
+      </p:nvGrpSpPr>
+      <p:grpSpPr/>
+      <p:sp>
+        <p:nvSpPr>
+          <p:cNvPr id="2" name="TextBox 1"/>
+          <p:cNvSpPr txBox="1"/>
+          <p:nvPr/>
+        </p:nvSpPr>
+        <p:spPr>
+          <a:xfrm>
+            <a:off x="5486400" y="457200"/>
+            <a:ext cx="2743200" cy="914400"/>
+          </a:xfrm>
+          <a:prstGeom prst="rect">
+            <a:avLst/>
+          </a:prstGeom>
+          <a:noFill/>
+        </p:spPr>
+        <p:txBody>
+          <a:bodyPr wrap="none">
+            <a:spAutoFit/>
+          </a:bodyPr>
+          <a:lstStyle/>
+          <a:p>
+            <a:pPr algn="r">
+              <a:defRPr sz="2800">
+                <a:solidFill>
+                  <a:srgbClr val="006400"/>
+                </a:solidFill>
+              </a:defRPr>
+            </a:pPr>
+            <a:r>
+              <a:t>ér zi</a:t>
+            </a:r>
+          </a:p>
+        </p:txBody>
+      </p:sp>
+      <p:sp>
+        <p:nvSpPr>
+          <p:cNvPr id="3" name="TextBox 2"/>
+          <p:cNvSpPr txBox="1"/>
+          <p:nvPr/>
+        </p:nvSpPr>
+        <p:spPr>
+          <a:xfrm>
+            <a:off x="5486400" y="1828800"/>
+            <a:ext cx="2743200" cy="1828800"/>
+          </a:xfrm>
+          <a:prstGeom prst="rect">
+            <a:avLst/>
+          </a:prstGeom>
+          <a:noFill/>
+        </p:spPr>
+        <p:txBody>
+          <a:bodyPr wrap="none">
+            <a:spAutoFit/>
+          </a:bodyPr>
+          <a:lstStyle/>
+          <a:p>
+            <a:pPr algn="r">
+              <a:defRPr sz="6000" b="1">
+                <a:solidFill>
+                  <a:srgbClr val="FF0000"/>
+                </a:solidFill>
+              </a:defRPr>
+            </a:pPr>
+            <a:r>
+              <a:t>儿子</a:t>
+            </a:r>
+          </a:p>
+        </p:txBody>
+      </p:sp>
+      <p:sp>
+        <p:nvSpPr>
+          <p:cNvPr id="4" name="TextBox 3"/>
+          <p:cNvSpPr txBox="1"/>
+          <p:nvPr/>
+        </p:nvSpPr>
+        <p:spPr>
+          <a:xfrm>
+            <a:off x="5486400" y="4114800"/>
+            <a:ext cx="2743200" cy="914400"/>
+          </a:xfrm>
+          <a:prstGeom prst="rect">
+            <a:avLst/>
+          </a:prstGeom>
+          <a:noFill/>
+        </p:spPr>
+        <p:txBody>
+          <a:bodyPr wrap="none">
+            <a:spAutoFit/>
+          </a:bodyPr>
+          <a:lstStyle/>
+          <a:p>
+            <a:pPr algn="r">
+              <a:defRPr sz="2800">
+                <a:solidFill>
+                  <a:srgbClr val="0000FF"/>
+                </a:solidFill>
+              </a:defRPr>
+            </a:pPr>
+            <a:r>
+              <a:t>son</a:t>
+            </a:r>
+          </a:p>
+        </p:txBody>
+      </p:sp>
+      <p:pic>
+        <p:nvPicPr>
+          <p:cNvPr id="5" name="tmp7k4zafcu.mp3">
+            <a:hlinkClick r:id="" action="ppaction://media"/>
+          </p:cNvPr>
+          <p:cNvPicPr>
+            <a:picLocks noChangeAspect="1"/>
+          </p:cNvPicPr>
+          <p:nvPr>
+            <a:videoFile r:link="rId3"/>
+            <p:extLst>
+              <p:ext uri="{DAA4B4D4-6D71-4841-9C94-3DE7FCFB9230}">
+                <p14:media xmlns:p14="http://schemas.microsoft.com/office/powerpoint/2010/main" r:embed="rId2"/>
+              </p:ext>
+            </p:extLst>
+          </p:nvPr>
+        </p:nvPicPr>
+        <p:blipFill>
+          <a:blip r:embed="rId4"/>
+          <a:stretch>
+            <a:fillRect/>
+          </a:stretch>
+        </p:blipFill>
+        <p:spPr>
+          <a:xfrm>
+            <a:off x="6400800" y="5029200"/>
+            <a:ext cx="1828800" cy="914400"/>
+          </a:xfrm>
+          <a:prstGeom prst="rect">
+            <a:avLst/>
+          </a:prstGeom>
+        </p:spPr>
+      </p:pic>
+    </p:spTree>
+  </p:cSld>
+  <p:clrMapOvr>
+    <a:masterClrMapping/>
+  </p:clrMapOvr>
+  <p:timing>
+    <p:tnLst>
+      <p:par>
+        <p:cTn id="1" dur="indefinite" restart="never" nodeType="tmRoot">
+          <p:childTnLst>
+            <p:video>
+              <p:cMediaNode vol="80000">
+                <p:cTn id="2" fill="hold" display="0">
+                  <p:stCondLst>
+                    <p:cond delay="indefinite"/>
+                  </p:stCondLst>
+                </p:cTn>
+                <p:tgtEl>
+                  <p:spTgt spid="5"/>
+                </p:tgtEl>
+              </p:cMediaNode>
+            </p:video>
+          </p:childTnLst>
+        </p:cTn>
+      </p:par>
+    </p:tnLst>
+  </p:timing>
+</p:sld>
+</file>
+
+<file path=ppt/slides/slide14.xml><?xml version="1.0" encoding="utf-8"?>
+<p:sld xmlns:a="http://schemas.openxmlformats.org/drawingml/2006/main" xmlns:p="http://schemas.openxmlformats.org/presentationml/2006/main" xmlns:r="http://schemas.openxmlformats.org/officeDocument/2006/relationships">
+  <p:cSld>
+    <p:bg>
+      <p:bgPr>
+        <a:solidFill>
+          <a:srgbClr val="FFEFD5"/>
+        </a:solidFill>
+        <a:effectLst/>
+      </p:bgPr>
+    </p:bg>
+    <p:spTree>
+      <p:nvGrpSpPr>
+        <p:cNvPr id="1" name=""/>
+        <p:cNvGrpSpPr/>
+        <p:nvPr/>
+      </p:nvGrpSpPr>
+      <p:grpSpPr/>
+      <p:sp>
+        <p:nvSpPr>
+          <p:cNvPr id="2" name="TextBox 1"/>
+          <p:cNvSpPr txBox="1"/>
+          <p:nvPr/>
+        </p:nvSpPr>
+        <p:spPr>
+          <a:xfrm>
+            <a:off x="5486400" y="457200"/>
+            <a:ext cx="2743200" cy="914400"/>
+          </a:xfrm>
+          <a:prstGeom prst="rect">
+            <a:avLst/>
+          </a:prstGeom>
+          <a:noFill/>
+        </p:spPr>
+        <p:txBody>
+          <a:bodyPr wrap="none">
+            <a:spAutoFit/>
+          </a:bodyPr>
+          <a:lstStyle/>
+          <a:p>
+            <a:pPr algn="r">
+              <a:defRPr sz="2800">
+                <a:solidFill>
+                  <a:srgbClr val="006400"/>
+                </a:solidFill>
+              </a:defRPr>
+            </a:pPr>
+            <a:r>
+              <a:t>nǚ ér</a:t>
+            </a:r>
+          </a:p>
+        </p:txBody>
+      </p:sp>
+      <p:sp>
+        <p:nvSpPr>
+          <p:cNvPr id="3" name="TextBox 2"/>
+          <p:cNvSpPr txBox="1"/>
+          <p:nvPr/>
+        </p:nvSpPr>
+        <p:spPr>
+          <a:xfrm>
+            <a:off x="5486400" y="1828800"/>
+            <a:ext cx="2743200" cy="1828800"/>
+          </a:xfrm>
+          <a:prstGeom prst="rect">
+            <a:avLst/>
+          </a:prstGeom>
+          <a:noFill/>
+        </p:spPr>
+        <p:txBody>
+          <a:bodyPr wrap="none">
+            <a:spAutoFit/>
+          </a:bodyPr>
+          <a:lstStyle/>
+          <a:p>
+            <a:pPr algn="r">
+              <a:defRPr sz="6000" b="1">
+                <a:solidFill>
+                  <a:srgbClr val="FF0000"/>
+                </a:solidFill>
+              </a:defRPr>
+            </a:pPr>
+            <a:r>
+              <a:t>女儿</a:t>
+            </a:r>
+          </a:p>
+        </p:txBody>
+      </p:sp>
+      <p:sp>
+        <p:nvSpPr>
+          <p:cNvPr id="4" name="TextBox 3"/>
+          <p:cNvSpPr txBox="1"/>
+          <p:nvPr/>
+        </p:nvSpPr>
+        <p:spPr>
+          <a:xfrm>
+            <a:off x="5486400" y="4114800"/>
+            <a:ext cx="2743200" cy="914400"/>
+          </a:xfrm>
+          <a:prstGeom prst="rect">
+            <a:avLst/>
+          </a:prstGeom>
+          <a:noFill/>
+        </p:spPr>
+        <p:txBody>
+          <a:bodyPr wrap="none">
+            <a:spAutoFit/>
+          </a:bodyPr>
+          <a:lstStyle/>
+          <a:p>
+            <a:pPr algn="r">
+              <a:defRPr sz="2800">
+                <a:solidFill>
+                  <a:srgbClr val="0000FF"/>
+                </a:solidFill>
+              </a:defRPr>
+            </a:pPr>
+            <a:r>
+              <a:t>daughter</a:t>
+            </a:r>
+          </a:p>
+        </p:txBody>
+      </p:sp>
+      <p:pic>
+        <p:nvPicPr>
+          <p:cNvPr id="5" name="tmplb9efnzb.mp3">
+            <a:hlinkClick r:id="" action="ppaction://media"/>
+          </p:cNvPr>
+          <p:cNvPicPr>
+            <a:picLocks noChangeAspect="1"/>
+          </p:cNvPicPr>
+          <p:nvPr>
+            <a:videoFile r:link="rId3"/>
+            <p:extLst>
+              <p:ext uri="{DAA4B4D4-6D71-4841-9C94-3DE7FCFB9230}">
+                <p14:media xmlns:p14="http://schemas.microsoft.com/office/powerpoint/2010/main" r:embed="rId2"/>
+              </p:ext>
+            </p:extLst>
+          </p:nvPr>
+        </p:nvPicPr>
+        <p:blipFill>
+          <a:blip r:embed="rId4"/>
+          <a:stretch>
+            <a:fillRect/>
+          </a:stretch>
+        </p:blipFill>
+        <p:spPr>
+          <a:xfrm>
+            <a:off x="6400800" y="5029200"/>
+            <a:ext cx="1828800" cy="914400"/>
+          </a:xfrm>
+          <a:prstGeom prst="rect">
+            <a:avLst/>
+          </a:prstGeom>
+        </p:spPr>
+      </p:pic>
+    </p:spTree>
+  </p:cSld>
+  <p:clrMapOvr>
+    <a:masterClrMapping/>
+  </p:clrMapOvr>
+  <p:timing>
+    <p:tnLst>
+      <p:par>
+        <p:cTn id="1" dur="indefinite" restart="never" nodeType="tmRoot">
+          <p:childTnLst>
+            <p:video>
+              <p:cMediaNode vol="80000">
+                <p:cTn id="2" fill="hold" display="0">
+                  <p:stCondLst>
+                    <p:cond delay="indefinite"/>
+                  </p:stCondLst>
+                </p:cTn>
+                <p:tgtEl>
+                  <p:spTgt spid="5"/>
+                </p:tgtEl>
+              </p:cMediaNode>
+            </p:video>
+          </p:childTnLst>
+        </p:cTn>
+      </p:par>
+    </p:tnLst>
+  </p:timing>
+</p:sld>
+</file>
+
+<file path=ppt/slides/slide15.xml><?xml version="1.0" encoding="utf-8"?>
+<p:sld xmlns:a="http://schemas.openxmlformats.org/drawingml/2006/main" xmlns:p="http://schemas.openxmlformats.org/presentationml/2006/main" xmlns:r="http://schemas.openxmlformats.org/officeDocument/2006/relationships">
+  <p:cSld>
+    <p:bg>
+      <p:bgPr>
+        <a:solidFill>
+          <a:srgbClr val="FFEFD5"/>
+        </a:solidFill>
+        <a:effectLst/>
+      </p:bgPr>
+    </p:bg>
+    <p:spTree>
+      <p:nvGrpSpPr>
+        <p:cNvPr id="1" name=""/>
+        <p:cNvGrpSpPr/>
+        <p:nvPr/>
+      </p:nvGrpSpPr>
+      <p:grpSpPr/>
+      <p:sp>
+        <p:nvSpPr>
+          <p:cNvPr id="2" name="TextBox 1"/>
+          <p:cNvSpPr txBox="1"/>
+          <p:nvPr/>
+        </p:nvSpPr>
+        <p:spPr>
+          <a:xfrm>
+            <a:off x="5486400" y="457200"/>
+            <a:ext cx="2743200" cy="914400"/>
+          </a:xfrm>
+          <a:prstGeom prst="rect">
+            <a:avLst/>
+          </a:prstGeom>
+          <a:noFill/>
+        </p:spPr>
+        <p:txBody>
+          <a:bodyPr wrap="none">
+            <a:spAutoFit/>
+          </a:bodyPr>
+          <a:lstStyle/>
+          <a:p>
+            <a:pPr algn="r">
+              <a:defRPr sz="2800">
+                <a:solidFill>
+                  <a:srgbClr val="006400"/>
+                </a:solidFill>
+              </a:defRPr>
+            </a:pPr>
+            <a:r>
+              <a:t>jiā rén</a:t>
+            </a:r>
+          </a:p>
+        </p:txBody>
+      </p:sp>
+      <p:sp>
+        <p:nvSpPr>
+          <p:cNvPr id="3" name="TextBox 2"/>
+          <p:cNvSpPr txBox="1"/>
+          <p:nvPr/>
+        </p:nvSpPr>
+        <p:spPr>
+          <a:xfrm>
+            <a:off x="5486400" y="1828800"/>
+            <a:ext cx="2743200" cy="1828800"/>
+          </a:xfrm>
+          <a:prstGeom prst="rect">
+            <a:avLst/>
+          </a:prstGeom>
+          <a:noFill/>
+        </p:spPr>
+        <p:txBody>
+          <a:bodyPr wrap="none">
+            <a:spAutoFit/>
+          </a:bodyPr>
+          <a:lstStyle/>
+          <a:p>
+            <a:pPr algn="r">
+              <a:defRPr sz="6000" b="1">
+                <a:solidFill>
+                  <a:srgbClr val="FF0000"/>
+                </a:solidFill>
+              </a:defRPr>
+            </a:pPr>
+            <a:r>
+              <a:t>家人</a:t>
+            </a:r>
+          </a:p>
+        </p:txBody>
+      </p:sp>
+      <p:sp>
+        <p:nvSpPr>
+          <p:cNvPr id="4" name="TextBox 3"/>
+          <p:cNvSpPr txBox="1"/>
+          <p:nvPr/>
+        </p:nvSpPr>
+        <p:spPr>
+          <a:xfrm>
+            <a:off x="5486400" y="4114800"/>
+            <a:ext cx="2743200" cy="914400"/>
+          </a:xfrm>
+          <a:prstGeom prst="rect">
+            <a:avLst/>
+          </a:prstGeom>
+          <a:noFill/>
+        </p:spPr>
+        <p:txBody>
+          <a:bodyPr wrap="none">
+            <a:spAutoFit/>
+          </a:bodyPr>
+          <a:lstStyle/>
+          <a:p>
+            <a:pPr algn="r">
+              <a:defRPr sz="2800">
+                <a:solidFill>
+                  <a:srgbClr val="0000FF"/>
+                </a:solidFill>
+              </a:defRPr>
+            </a:pPr>
+            <a:r>
+              <a:t>family member</a:t>
+            </a:r>
+          </a:p>
+        </p:txBody>
+      </p:sp>
+      <p:pic>
+        <p:nvPicPr>
+          <p:cNvPr id="5" name="tmpygarofi5.mp3">
+            <a:hlinkClick r:id="" action="ppaction://media"/>
+          </p:cNvPr>
+          <p:cNvPicPr>
+            <a:picLocks noChangeAspect="1"/>
+          </p:cNvPicPr>
+          <p:nvPr>
+            <a:videoFile r:link="rId3"/>
+            <p:extLst>
+              <p:ext uri="{DAA4B4D4-6D71-4841-9C94-3DE7FCFB9230}">
+                <p14:media xmlns:p14="http://schemas.microsoft.com/office/powerpoint/2010/main" r:embed="rId2"/>
+              </p:ext>
+            </p:extLst>
+          </p:nvPr>
+        </p:nvPicPr>
+        <p:blipFill>
+          <a:blip r:embed="rId4"/>
+          <a:stretch>
+            <a:fillRect/>
+          </a:stretch>
+        </p:blipFill>
+        <p:spPr>
+          <a:xfrm>
+            <a:off x="6400800" y="5029200"/>
+            <a:ext cx="1828800" cy="914400"/>
+          </a:xfrm>
+          <a:prstGeom prst="rect">
+            <a:avLst/>
+          </a:prstGeom>
+        </p:spPr>
+      </p:pic>
+    </p:spTree>
+  </p:cSld>
+  <p:clrMapOvr>
+    <a:masterClrMapping/>
+  </p:clrMapOvr>
+  <p:timing>
+    <p:tnLst>
+      <p:par>
+        <p:cTn id="1" dur="indefinite" restart="never" nodeType="tmRoot">
+          <p:childTnLst>
+            <p:video>
+              <p:cMediaNode vol="80000">
+                <p:cTn id="2" fill="hold" display="0">
+                  <p:stCondLst>
+                    <p:cond delay="indefinite"/>
+                  </p:stCondLst>
+                </p:cTn>
+                <p:tgtEl>
+                  <p:spTgt spid="5"/>
+                </p:tgtEl>
+              </p:cMediaNode>
+            </p:video>
+          </p:childTnLst>
+        </p:cTn>
+      </p:par>
+    </p:tnLst>
+  </p:timing>
+</p:sld>
+</file>
+
+<file path=ppt/slides/slide16.xml><?xml version="1.0" encoding="utf-8"?>
+<p:sld xmlns:a="http://schemas.openxmlformats.org/drawingml/2006/main" xmlns:p="http://schemas.openxmlformats.org/presentationml/2006/main" xmlns:r="http://schemas.openxmlformats.org/officeDocument/2006/relationships">
+  <p:cSld>
+    <p:bg>
+      <p:bgPr>
+        <a:solidFill>
+          <a:srgbClr val="FFEFD5"/>
+        </a:solidFill>
+        <a:effectLst/>
+      </p:bgPr>
+    </p:bg>
+    <p:spTree>
+      <p:nvGrpSpPr>
+        <p:cNvPr id="1" name=""/>
+        <p:cNvGrpSpPr/>
+        <p:nvPr/>
+      </p:nvGrpSpPr>
+      <p:grpSpPr/>
+      <p:sp>
+        <p:nvSpPr>
+          <p:cNvPr id="2" name="TextBox 1"/>
+          <p:cNvSpPr txBox="1"/>
+          <p:nvPr/>
+        </p:nvSpPr>
+        <p:spPr>
+          <a:xfrm>
+            <a:off x="5486400" y="457200"/>
+            <a:ext cx="2743200" cy="914400"/>
+          </a:xfrm>
+          <a:prstGeom prst="rect">
+            <a:avLst/>
+          </a:prstGeom>
+          <a:noFill/>
+        </p:spPr>
+        <p:txBody>
+          <a:bodyPr wrap="none">
+            <a:spAutoFit/>
+          </a:bodyPr>
+          <a:lstStyle/>
+          <a:p>
+            <a:pPr algn="r">
+              <a:defRPr sz="2800">
+                <a:solidFill>
+                  <a:srgbClr val="006400"/>
+                </a:solidFill>
+              </a:defRPr>
+            </a:pPr>
+            <a:r>
+              <a:t>jiā tíng</a:t>
+            </a:r>
+          </a:p>
+        </p:txBody>
+      </p:sp>
+      <p:sp>
+        <p:nvSpPr>
+          <p:cNvPr id="3" name="TextBox 2"/>
+          <p:cNvSpPr txBox="1"/>
+          <p:nvPr/>
+        </p:nvSpPr>
+        <p:spPr>
+          <a:xfrm>
+            <a:off x="5486400" y="1828800"/>
+            <a:ext cx="2743200" cy="1828800"/>
+          </a:xfrm>
+          <a:prstGeom prst="rect">
+            <a:avLst/>
+          </a:prstGeom>
+          <a:noFill/>
+        </p:spPr>
+        <p:txBody>
+          <a:bodyPr wrap="none">
+            <a:spAutoFit/>
+          </a:bodyPr>
+          <a:lstStyle/>
+          <a:p>
+            <a:pPr algn="r">
+              <a:defRPr sz="6000" b="1">
+                <a:solidFill>
+                  <a:srgbClr val="FF0000"/>
+                </a:solidFill>
+              </a:defRPr>
+            </a:pPr>
+            <a:r>
+              <a:t>家庭</a:t>
+            </a:r>
+          </a:p>
+        </p:txBody>
+      </p:sp>
+      <p:sp>
+        <p:nvSpPr>
+          <p:cNvPr id="4" name="TextBox 3"/>
+          <p:cNvSpPr txBox="1"/>
+          <p:nvPr/>
+        </p:nvSpPr>
+        <p:spPr>
+          <a:xfrm>
+            <a:off x="5486400" y="4114800"/>
+            <a:ext cx="2743200" cy="914400"/>
+          </a:xfrm>
+          <a:prstGeom prst="rect">
+            <a:avLst/>
+          </a:prstGeom>
+          <a:noFill/>
+        </p:spPr>
+        <p:txBody>
+          <a:bodyPr wrap="none">
+            <a:spAutoFit/>
+          </a:bodyPr>
+          <a:lstStyle/>
+          <a:p>
+            <a:pPr algn="r">
+              <a:defRPr sz="2800">
+                <a:solidFill>
+                  <a:srgbClr val="0000FF"/>
+                </a:solidFill>
+              </a:defRPr>
+            </a:pPr>
+            <a:r>
+              <a:t>family</a:t>
+            </a:r>
+          </a:p>
+        </p:txBody>
+      </p:sp>
+      <p:pic>
+        <p:nvPicPr>
+          <p:cNvPr id="5" name="tmpsdagm2of.mp3">
+            <a:hlinkClick r:id="" action="ppaction://media"/>
+          </p:cNvPr>
+          <p:cNvPicPr>
+            <a:picLocks noChangeAspect="1"/>
+          </p:cNvPicPr>
+          <p:nvPr>
+            <a:videoFile r:link="rId3"/>
+            <p:extLst>
+              <p:ext uri="{DAA4B4D4-6D71-4841-9C94-3DE7FCFB9230}">
+                <p14:media xmlns:p14="http://schemas.microsoft.com/office/powerpoint/2010/main" r:embed="rId2"/>
+              </p:ext>
+            </p:extLst>
+          </p:nvPr>
+        </p:nvPicPr>
+        <p:blipFill>
+          <a:blip r:embed="rId4"/>
+          <a:stretch>
+            <a:fillRect/>
+          </a:stretch>
+        </p:blipFill>
+        <p:spPr>
+          <a:xfrm>
+            <a:off x="6400800" y="5029200"/>
+            <a:ext cx="1828800" cy="914400"/>
+          </a:xfrm>
+          <a:prstGeom prst="rect">
+            <a:avLst/>
+          </a:prstGeom>
+        </p:spPr>
+      </p:pic>
+    </p:spTree>
+  </p:cSld>
+  <p:clrMapOvr>
+    <a:masterClrMapping/>
+  </p:clrMapOvr>
+  <p:timing>
+    <p:tnLst>
+      <p:par>
+        <p:cTn id="1" dur="indefinite" restart="never" nodeType="tmRoot">
+          <p:childTnLst>
+            <p:video>
+              <p:cMediaNode vol="80000">
+                <p:cTn id="2" fill="hold" display="0">
+                  <p:stCondLst>
+                    <p:cond delay="indefinite"/>
+                  </p:stCondLst>
+                </p:cTn>
+                <p:tgtEl>
+                  <p:spTgt spid="5"/>
+                </p:tgtEl>
+              </p:cMediaNode>
+            </p:video>
+          </p:childTnLst>
+        </p:cTn>
+      </p:par>
+    </p:tnLst>
+  </p:timing>
+</p:sld>
+</file>
+
+<file path=ppt/slides/slide2.xml><?xml version="1.0" encoding="utf-8"?>
+<p:sld xmlns:a="http://schemas.openxmlformats.org/drawingml/2006/main" xmlns:p="http://schemas.openxmlformats.org/presentationml/2006/main" xmlns:r="http://schemas.openxmlformats.org/officeDocument/2006/relationships">
+  <p:cSld>
+    <p:bg>
+      <p:bgPr>
+        <a:solidFill>
+          <a:srgbClr val="FFEFD5"/>
+        </a:solidFill>
+        <a:effectLst/>
+      </p:bgPr>
+    </p:bg>
+    <p:spTree>
+      <p:nvGrpSpPr>
+        <p:cNvPr id="1" name=""/>
+        <p:cNvGrpSpPr/>
+        <p:nvPr/>
+      </p:nvGrpSpPr>
+      <p:grpSpPr/>
+      <p:sp>
+        <p:nvSpPr>
+          <p:cNvPr id="2" name="TextBox 1"/>
+          <p:cNvSpPr txBox="1"/>
+          <p:nvPr/>
+        </p:nvSpPr>
+        <p:spPr>
+          <a:xfrm>
+            <a:off x="5486400" y="457200"/>
+            <a:ext cx="2743200" cy="914400"/>
+          </a:xfrm>
+          <a:prstGeom prst="rect">
+            <a:avLst/>
+          </a:prstGeom>
+          <a:noFill/>
+        </p:spPr>
+        <p:txBody>
+          <a:bodyPr wrap="none">
+            <a:spAutoFit/>
+          </a:bodyPr>
+          <a:lstStyle/>
+          <a:p>
+            <a:pPr algn="r">
+              <a:defRPr sz="2800">
+                <a:solidFill>
+                  <a:srgbClr val="006400"/>
+                </a:solidFill>
+              </a:defRPr>
+            </a:pPr>
+            <a:r>
+              <a:t>mā mā</a:t>
+            </a:r>
+          </a:p>
+        </p:txBody>
+      </p:sp>
+      <p:sp>
+        <p:nvSpPr>
+          <p:cNvPr id="3" name="TextBox 2"/>
+          <p:cNvSpPr txBox="1"/>
+          <p:nvPr/>
+        </p:nvSpPr>
+        <p:spPr>
+          <a:xfrm>
+            <a:off x="5486400" y="1828800"/>
+            <a:ext cx="2743200" cy="1828800"/>
+          </a:xfrm>
+          <a:prstGeom prst="rect">
+            <a:avLst/>
+          </a:prstGeom>
+          <a:noFill/>
+        </p:spPr>
+        <p:txBody>
+          <a:bodyPr wrap="none">
+            <a:spAutoFit/>
+          </a:bodyPr>
+          <a:lstStyle/>
+          <a:p>
+            <a:pPr algn="r">
+              <a:defRPr sz="6000" b="1">
+                <a:solidFill>
+                  <a:srgbClr val="FF0000"/>
+                </a:solidFill>
+              </a:defRPr>
+            </a:pPr>
+            <a:r>
+              <a:t>妈妈</a:t>
+            </a:r>
+          </a:p>
+        </p:txBody>
+      </p:sp>
+      <p:sp>
+        <p:nvSpPr>
+          <p:cNvPr id="4" name="TextBox 3"/>
+          <p:cNvSpPr txBox="1"/>
+          <p:nvPr/>
+        </p:nvSpPr>
+        <p:spPr>
+          <a:xfrm>
+            <a:off x="5486400" y="4114800"/>
+            <a:ext cx="2743200" cy="914400"/>
+          </a:xfrm>
+          <a:prstGeom prst="rect">
+            <a:avLst/>
+          </a:prstGeom>
+          <a:noFill/>
+        </p:spPr>
+        <p:txBody>
+          <a:bodyPr wrap="none">
+            <a:spAutoFit/>
+          </a:bodyPr>
+          <a:lstStyle/>
+          <a:p>
+            <a:pPr algn="r">
+              <a:defRPr sz="2800">
+                <a:solidFill>
+                  <a:srgbClr val="0000FF"/>
+                </a:solidFill>
+              </a:defRPr>
+            </a:pPr>
+            <a:r>
+              <a:t>mother</a:t>
+            </a:r>
+          </a:p>
+        </p:txBody>
+      </p:sp>
+      <p:pic>
+        <p:nvPicPr>
+          <p:cNvPr id="5" name="tmpd60o50zr.mp3">
+            <a:hlinkClick r:id="" action="ppaction://media"/>
+          </p:cNvPr>
+          <p:cNvPicPr>
+            <a:picLocks noChangeAspect="1"/>
+          </p:cNvPicPr>
+          <p:nvPr>
+            <a:videoFile r:link="rId3"/>
+            <p:extLst>
+              <p:ext uri="{DAA4B4D4-6D71-4841-9C94-3DE7FCFB9230}">
+                <p14:media xmlns:p14="http://schemas.microsoft.com/office/powerpoint/2010/main" r:embed="rId2"/>
+              </p:ext>
+            </p:extLst>
+          </p:nvPr>
+        </p:nvPicPr>
+        <p:blipFill>
+          <a:blip r:embed="rId4"/>
+          <a:stretch>
+            <a:fillRect/>
+          </a:stretch>
+        </p:blipFill>
+        <p:spPr>
+          <a:xfrm>
+            <a:off x="6400800" y="5029200"/>
+            <a:ext cx="1828800" cy="914400"/>
+          </a:xfrm>
+          <a:prstGeom prst="rect">
+            <a:avLst/>
+          </a:prstGeom>
+        </p:spPr>
+      </p:pic>
+    </p:spTree>
+  </p:cSld>
+  <p:clrMapOvr>
+    <a:masterClrMapping/>
+  </p:clrMapOvr>
+  <p:timing>
+    <p:tnLst>
+      <p:par>
+        <p:cTn id="1" dur="indefinite" restart="never" nodeType="tmRoot">
+          <p:childTnLst>
+            <p:video>
+              <p:cMediaNode vol="80000">
+                <p:cTn id="2" fill="hold" display="0">
+                  <p:stCondLst>
+                    <p:cond delay="indefinite"/>
+                  </p:stCondLst>
+                </p:cTn>
+                <p:tgtEl>
+                  <p:spTgt spid="5"/>
+                </p:tgtEl>
+              </p:cMediaNode>
+            </p:video>
+          </p:childTnLst>
+        </p:cTn>
+      </p:par>
+    </p:tnLst>
+  </p:timing>
+</p:sld>
+</file>
+
+<file path=ppt/slides/slide3.xml><?xml version="1.0" encoding="utf-8"?>
+<p:sld xmlns:a="http://schemas.openxmlformats.org/drawingml/2006/main" xmlns:p="http://schemas.openxmlformats.org/presentationml/2006/main" xmlns:r="http://schemas.openxmlformats.org/officeDocument/2006/relationships">
+  <p:cSld>
+    <p:bg>
+      <p:bgPr>
+        <a:solidFill>
+          <a:srgbClr val="FFEFD5"/>
+        </a:solidFill>
+        <a:effectLst/>
+      </p:bgPr>
+    </p:bg>
+    <p:spTree>
+      <p:nvGrpSpPr>
+        <p:cNvPr id="1" name=""/>
+        <p:cNvGrpSpPr/>
+        <p:nvPr/>
+      </p:nvGrpSpPr>
+      <p:grpSpPr/>
+      <p:sp>
+        <p:nvSpPr>
+          <p:cNvPr id="2" name="TextBox 1"/>
+          <p:cNvSpPr txBox="1"/>
+          <p:nvPr/>
+        </p:nvSpPr>
+        <p:spPr>
+          <a:xfrm>
+            <a:off x="5486400" y="457200"/>
+            <a:ext cx="2743200" cy="914400"/>
+          </a:xfrm>
+          <a:prstGeom prst="rect">
+            <a:avLst/>
+          </a:prstGeom>
+          <a:noFill/>
+        </p:spPr>
+        <p:txBody>
+          <a:bodyPr wrap="none">
+            <a:spAutoFit/>
+          </a:bodyPr>
+          <a:lstStyle/>
+          <a:p>
+            <a:pPr algn="r">
+              <a:defRPr sz="2800">
+                <a:solidFill>
+                  <a:srgbClr val="006400"/>
+                </a:solidFill>
+              </a:defRPr>
+            </a:pPr>
+            <a:r>
+              <a:t>bà bà</a:t>
+            </a:r>
+          </a:p>
+        </p:txBody>
+      </p:sp>
+      <p:sp>
+        <p:nvSpPr>
+          <p:cNvPr id="3" name="TextBox 2"/>
+          <p:cNvSpPr txBox="1"/>
+          <p:nvPr/>
+        </p:nvSpPr>
+        <p:spPr>
+          <a:xfrm>
+            <a:off x="5486400" y="1828800"/>
+            <a:ext cx="2743200" cy="1828800"/>
+          </a:xfrm>
+          <a:prstGeom prst="rect">
+            <a:avLst/>
+          </a:prstGeom>
+          <a:noFill/>
+        </p:spPr>
+        <p:txBody>
+          <a:bodyPr wrap="none">
+            <a:spAutoFit/>
+          </a:bodyPr>
+          <a:lstStyle/>
+          <a:p>
+            <a:pPr algn="r">
+              <a:defRPr sz="6000" b="1">
+                <a:solidFill>
+                  <a:srgbClr val="FF0000"/>
+                </a:solidFill>
+              </a:defRPr>
+            </a:pPr>
+            <a:r>
+              <a:t>爸爸</a:t>
+            </a:r>
+          </a:p>
+        </p:txBody>
+      </p:sp>
+      <p:sp>
+        <p:nvSpPr>
+          <p:cNvPr id="4" name="TextBox 3"/>
+          <p:cNvSpPr txBox="1"/>
+          <p:nvPr/>
+        </p:nvSpPr>
+        <p:spPr>
+          <a:xfrm>
+            <a:off x="5486400" y="4114800"/>
+            <a:ext cx="2743200" cy="914400"/>
+          </a:xfrm>
+          <a:prstGeom prst="rect">
+            <a:avLst/>
+          </a:prstGeom>
+          <a:noFill/>
+        </p:spPr>
+        <p:txBody>
+          <a:bodyPr wrap="none">
+            <a:spAutoFit/>
+          </a:bodyPr>
+          <a:lstStyle/>
+          <a:p>
+            <a:pPr algn="r">
+              <a:defRPr sz="2800">
+                <a:solidFill>
+                  <a:srgbClr val="0000FF"/>
+                </a:solidFill>
+              </a:defRPr>
+            </a:pPr>
+            <a:r>
+              <a:t>father</a:t>
+            </a:r>
+          </a:p>
+        </p:txBody>
+      </p:sp>
+      <p:pic>
+        <p:nvPicPr>
+          <p:cNvPr id="5" name="tmp9mva1hqj.mp3">
+            <a:hlinkClick r:id="" action="ppaction://media"/>
+          </p:cNvPr>
+          <p:cNvPicPr>
+            <a:picLocks noChangeAspect="1"/>
+          </p:cNvPicPr>
+          <p:nvPr>
+            <a:videoFile r:link="rId3"/>
+            <p:extLst>
+              <p:ext uri="{DAA4B4D4-6D71-4841-9C94-3DE7FCFB9230}">
+                <p14:media xmlns:p14="http://schemas.microsoft.com/office/powerpoint/2010/main" r:embed="rId2"/>
+              </p:ext>
+            </p:extLst>
+          </p:nvPr>
+        </p:nvPicPr>
+        <p:blipFill>
+          <a:blip r:embed="rId4"/>
+          <a:stretch>
+            <a:fillRect/>
+          </a:stretch>
+        </p:blipFill>
+        <p:spPr>
+          <a:xfrm>
+            <a:off x="6400800" y="5029200"/>
+            <a:ext cx="1828800" cy="914400"/>
+          </a:xfrm>
+          <a:prstGeom prst="rect">
+            <a:avLst/>
+          </a:prstGeom>
+        </p:spPr>
+      </p:pic>
+    </p:spTree>
+  </p:cSld>
+  <p:clrMapOvr>
+    <a:masterClrMapping/>
+  </p:clrMapOvr>
+  <p:timing>
+    <p:tnLst>
+      <p:par>
+        <p:cTn id="1" dur="indefinite" restart="never" nodeType="tmRoot">
+          <p:childTnLst>
+            <p:video>
+              <p:cMediaNode vol="80000">
+                <p:cTn id="2" fill="hold" display="0">
+                  <p:stCondLst>
+                    <p:cond delay="indefinite"/>
+                  </p:stCondLst>
+                </p:cTn>
+                <p:tgtEl>
+                  <p:spTgt spid="5"/>
+                </p:tgtEl>
+              </p:cMediaNode>
+            </p:video>
+          </p:childTnLst>
+        </p:cTn>
+      </p:par>
+    </p:tnLst>
+  </p:timing>
+</p:sld>
+</file>
+
+<file path=ppt/slides/slide4.xml><?xml version="1.0" encoding="utf-8"?>
+<p:sld xmlns:a="http://schemas.openxmlformats.org/drawingml/2006/main" xmlns:p="http://schemas.openxmlformats.org/presentationml/2006/main" xmlns:r="http://schemas.openxmlformats.org/officeDocument/2006/relationships">
+  <p:cSld>
+    <p:bg>
+      <p:bgPr>
+        <a:solidFill>
+          <a:srgbClr val="FFEFD5"/>
+        </a:solidFill>
+        <a:effectLst/>
+      </p:bgPr>
+    </p:bg>
+    <p:spTree>
+      <p:nvGrpSpPr>
+        <p:cNvPr id="1" name=""/>
+        <p:cNvGrpSpPr/>
+        <p:nvPr/>
+      </p:nvGrpSpPr>
+      <p:grpSpPr/>
+      <p:sp>
+        <p:nvSpPr>
+          <p:cNvPr id="2" name="TextBox 1"/>
+          <p:cNvSpPr txBox="1"/>
+          <p:nvPr/>
+        </p:nvSpPr>
+        <p:spPr>
+          <a:xfrm>
+            <a:off x="5486400" y="457200"/>
+            <a:ext cx="2743200" cy="914400"/>
+          </a:xfrm>
+          <a:prstGeom prst="rect">
+            <a:avLst/>
+          </a:prstGeom>
+          <a:noFill/>
+        </p:spPr>
+        <p:txBody>
+          <a:bodyPr wrap="none">
+            <a:spAutoFit/>
+          </a:bodyPr>
+          <a:lstStyle/>
+          <a:p>
+            <a:pPr algn="r">
+              <a:defRPr sz="2800">
+                <a:solidFill>
+                  <a:srgbClr val="006400"/>
+                </a:solidFill>
+              </a:defRPr>
+            </a:pPr>
+            <a:r>
+              <a:t>jiě jiě</a:t>
+            </a:r>
+          </a:p>
+        </p:txBody>
+      </p:sp>
+      <p:sp>
+        <p:nvSpPr>
+          <p:cNvPr id="3" name="TextBox 2"/>
+          <p:cNvSpPr txBox="1"/>
+          <p:nvPr/>
+        </p:nvSpPr>
+        <p:spPr>
+          <a:xfrm>
+            <a:off x="5486400" y="1828800"/>
+            <a:ext cx="2743200" cy="1828800"/>
+          </a:xfrm>
+          <a:prstGeom prst="rect">
+            <a:avLst/>
+          </a:prstGeom>
+          <a:noFill/>
+        </p:spPr>
+        <p:txBody>
+          <a:bodyPr wrap="none">
+            <a:spAutoFit/>
+          </a:bodyPr>
+          <a:lstStyle/>
+          <a:p>
+            <a:pPr algn="r">
+              <a:defRPr sz="6000" b="1">
+                <a:solidFill>
+                  <a:srgbClr val="FF0000"/>
+                </a:solidFill>
+              </a:defRPr>
+            </a:pPr>
+            <a:r>
+              <a:t>姐姐</a:t>
+            </a:r>
+          </a:p>
+        </p:txBody>
+      </p:sp>
+      <p:sp>
+        <p:nvSpPr>
+          <p:cNvPr id="4" name="TextBox 3"/>
+          <p:cNvSpPr txBox="1"/>
+          <p:nvPr/>
+        </p:nvSpPr>
+        <p:spPr>
+          <a:xfrm>
+            <a:off x="5486400" y="4114800"/>
+            <a:ext cx="2743200" cy="914400"/>
+          </a:xfrm>
+          <a:prstGeom prst="rect">
+            <a:avLst/>
+          </a:prstGeom>
+          <a:noFill/>
+        </p:spPr>
+        <p:txBody>
+          <a:bodyPr wrap="none">
+            <a:spAutoFit/>
+          </a:bodyPr>
+          <a:lstStyle/>
+          <a:p>
+            <a:pPr algn="r">
+              <a:defRPr sz="2800">
+                <a:solidFill>
+                  <a:srgbClr val="0000FF"/>
+                </a:solidFill>
+              </a:defRPr>
+            </a:pPr>
+            <a:r>
+              <a:t>older sister</a:t>
+            </a:r>
+          </a:p>
+        </p:txBody>
+      </p:sp>
+      <p:pic>
+        <p:nvPicPr>
+          <p:cNvPr id="5" name="tmp31f7n8px.mp3">
+            <a:hlinkClick r:id="" action="ppaction://media"/>
+          </p:cNvPr>
+          <p:cNvPicPr>
+            <a:picLocks noChangeAspect="1"/>
+          </p:cNvPicPr>
+          <p:nvPr>
+            <a:videoFile r:link="rId3"/>
+            <p:extLst>
+              <p:ext uri="{DAA4B4D4-6D71-4841-9C94-3DE7FCFB9230}">
+                <p14:media xmlns:p14="http://schemas.microsoft.com/office/powerpoint/2010/main" r:embed="rId2"/>
+              </p:ext>
+            </p:extLst>
+          </p:nvPr>
+        </p:nvPicPr>
+        <p:blipFill>
+          <a:blip r:embed="rId4"/>
+          <a:stretch>
+            <a:fillRect/>
+          </a:stretch>
+        </p:blipFill>
+        <p:spPr>
+          <a:xfrm>
+            <a:off x="6400800" y="5029200"/>
+            <a:ext cx="1828800" cy="914400"/>
+          </a:xfrm>
+          <a:prstGeom prst="rect">
+            <a:avLst/>
+          </a:prstGeom>
+        </p:spPr>
+      </p:pic>
+    </p:spTree>
+  </p:cSld>
+  <p:clrMapOvr>
+    <a:masterClrMapping/>
+  </p:clrMapOvr>
+  <p:timing>
+    <p:tnLst>
+      <p:par>
+        <p:cTn id="1" dur="indefinite" restart="never" nodeType="tmRoot">
+          <p:childTnLst>
+            <p:video>
+              <p:cMediaNode vol="80000">
+                <p:cTn id="2" fill="hold" display="0">
+                  <p:stCondLst>
+                    <p:cond delay="indefinite"/>
+                  </p:stCondLst>
+                </p:cTn>
+                <p:tgtEl>
+                  <p:spTgt spid="5"/>
+                </p:tgtEl>
+              </p:cMediaNode>
+            </p:video>
+          </p:childTnLst>
+        </p:cTn>
+      </p:par>
+    </p:tnLst>
+  </p:timing>
+</p:sld>
+</file>
+
+<file path=ppt/slides/slide5.xml><?xml version="1.0" encoding="utf-8"?>
+<p:sld xmlns:a="http://schemas.openxmlformats.org/drawingml/2006/main" xmlns:p="http://schemas.openxmlformats.org/presentationml/2006/main" xmlns:r="http://schemas.openxmlformats.org/officeDocument/2006/relationships">
+  <p:cSld>
+    <p:bg>
+      <p:bgPr>
+        <a:solidFill>
+          <a:srgbClr val="FFEFD5"/>
+        </a:solidFill>
+        <a:effectLst/>
+      </p:bgPr>
+    </p:bg>
+    <p:spTree>
+      <p:nvGrpSpPr>
+        <p:cNvPr id="1" name=""/>
+        <p:cNvGrpSpPr/>
+        <p:nvPr/>
+      </p:nvGrpSpPr>
+      <p:grpSpPr/>
+      <p:sp>
+        <p:nvSpPr>
+          <p:cNvPr id="2" name="TextBox 1"/>
+          <p:cNvSpPr txBox="1"/>
+          <p:nvPr/>
+        </p:nvSpPr>
+        <p:spPr>
+          <a:xfrm>
+            <a:off x="5486400" y="457200"/>
+            <a:ext cx="2743200" cy="914400"/>
+          </a:xfrm>
+          <a:prstGeom prst="rect">
+            <a:avLst/>
+          </a:prstGeom>
+          <a:noFill/>
+        </p:spPr>
+        <p:txBody>
+          <a:bodyPr wrap="none">
+            <a:spAutoFit/>
+          </a:bodyPr>
+          <a:lstStyle/>
+          <a:p>
+            <a:pPr algn="r">
+              <a:defRPr sz="2800">
+                <a:solidFill>
+                  <a:srgbClr val="006400"/>
+                </a:solidFill>
+              </a:defRPr>
+            </a:pPr>
+            <a:r>
+              <a:t>gē gē</a:t>
+            </a:r>
+          </a:p>
+        </p:txBody>
+      </p:sp>
+      <p:sp>
+        <p:nvSpPr>
+          <p:cNvPr id="3" name="TextBox 2"/>
+          <p:cNvSpPr txBox="1"/>
+          <p:nvPr/>
+        </p:nvSpPr>
+        <p:spPr>
+          <a:xfrm>
+            <a:off x="5486400" y="1828800"/>
+            <a:ext cx="2743200" cy="1828800"/>
+          </a:xfrm>
+          <a:prstGeom prst="rect">
+            <a:avLst/>
+          </a:prstGeom>
+          <a:noFill/>
+        </p:spPr>
+        <p:txBody>
+          <a:bodyPr wrap="none">
+            <a:spAutoFit/>
+          </a:bodyPr>
+          <a:lstStyle/>
+          <a:p>
+            <a:pPr algn="r">
+              <a:defRPr sz="6000" b="1">
+                <a:solidFill>
+                  <a:srgbClr val="FF0000"/>
+                </a:solidFill>
+              </a:defRPr>
+            </a:pPr>
+            <a:r>
+              <a:t>哥哥</a:t>
+            </a:r>
+          </a:p>
+        </p:txBody>
+      </p:sp>
+      <p:sp>
+        <p:nvSpPr>
+          <p:cNvPr id="4" name="TextBox 3"/>
+          <p:cNvSpPr txBox="1"/>
+          <p:nvPr/>
+        </p:nvSpPr>
+        <p:spPr>
+          <a:xfrm>
+            <a:off x="5486400" y="4114800"/>
+            <a:ext cx="2743200" cy="914400"/>
+          </a:xfrm>
+          <a:prstGeom prst="rect">
+            <a:avLst/>
+          </a:prstGeom>
+          <a:noFill/>
+        </p:spPr>
+        <p:txBody>
+          <a:bodyPr wrap="none">
+            <a:spAutoFit/>
+          </a:bodyPr>
+          <a:lstStyle/>
+          <a:p>
+            <a:pPr algn="r">
+              <a:defRPr sz="2800">
+                <a:solidFill>
+                  <a:srgbClr val="0000FF"/>
+                </a:solidFill>
+              </a:defRPr>
+            </a:pPr>
+            <a:r>
+              <a:t>older brother</a:t>
+            </a:r>
+          </a:p>
+        </p:txBody>
+      </p:sp>
+      <p:pic>
+        <p:nvPicPr>
+          <p:cNvPr id="5" name="tmpukpp2ro1.mp3">
+            <a:hlinkClick r:id="" action="ppaction://media"/>
+          </p:cNvPr>
+          <p:cNvPicPr>
+            <a:picLocks noChangeAspect="1"/>
+          </p:cNvPicPr>
+          <p:nvPr>
+            <a:videoFile r:link="rId3"/>
+            <p:extLst>
+              <p:ext uri="{DAA4B4D4-6D71-4841-9C94-3DE7FCFB9230}">
+                <p14:media xmlns:p14="http://schemas.microsoft.com/office/powerpoint/2010/main" r:embed="rId2"/>
+              </p:ext>
+            </p:extLst>
+          </p:nvPr>
+        </p:nvPicPr>
+        <p:blipFill>
+          <a:blip r:embed="rId4"/>
+          <a:stretch>
+            <a:fillRect/>
+          </a:stretch>
+        </p:blipFill>
+        <p:spPr>
+          <a:xfrm>
+            <a:off x="6400800" y="5029200"/>
+            <a:ext cx="1828800" cy="914400"/>
+          </a:xfrm>
+          <a:prstGeom prst="rect">
+            <a:avLst/>
+          </a:prstGeom>
+        </p:spPr>
+      </p:pic>
+    </p:spTree>
+  </p:cSld>
+  <p:clrMapOvr>
+    <a:masterClrMapping/>
+  </p:clrMapOvr>
+  <p:timing>
+    <p:tnLst>
+      <p:par>
+        <p:cTn id="1" dur="indefinite" restart="never" nodeType="tmRoot">
+          <p:childTnLst>
+            <p:video>
+              <p:cMediaNode vol="80000">
+                <p:cTn id="2" fill="hold" display="0">
+                  <p:stCondLst>
+                    <p:cond delay="indefinite"/>
+                  </p:stCondLst>
+                </p:cTn>
+                <p:tgtEl>
+                  <p:spTgt spid="5"/>
+                </p:tgtEl>
+              </p:cMediaNode>
+            </p:video>
+          </p:childTnLst>
+        </p:cTn>
+      </p:par>
+    </p:tnLst>
+  </p:timing>
+</p:sld>
+</file>
+
+<file path=ppt/slides/slide6.xml><?xml version="1.0" encoding="utf-8"?>
+<p:sld xmlns:a="http://schemas.openxmlformats.org/drawingml/2006/main" xmlns:p="http://schemas.openxmlformats.org/presentationml/2006/main" xmlns:r="http://schemas.openxmlformats.org/officeDocument/2006/relationships">
+  <p:cSld>
+    <p:bg>
+      <p:bgPr>
+        <a:solidFill>
+          <a:srgbClr val="FFEFD5"/>
+        </a:solidFill>
+        <a:effectLst/>
+      </p:bgPr>
+    </p:bg>
+    <p:spTree>
+      <p:nvGrpSpPr>
+        <p:cNvPr id="1" name=""/>
+        <p:cNvGrpSpPr/>
+        <p:nvPr/>
+      </p:nvGrpSpPr>
+      <p:grpSpPr/>
+      <p:sp>
+        <p:nvSpPr>
+          <p:cNvPr id="2" name="TextBox 1"/>
+          <p:cNvSpPr txBox="1"/>
+          <p:nvPr/>
+        </p:nvSpPr>
+        <p:spPr>
+          <a:xfrm>
+            <a:off x="5486400" y="457200"/>
+            <a:ext cx="2743200" cy="914400"/>
+          </a:xfrm>
+          <a:prstGeom prst="rect">
+            <a:avLst/>
+          </a:prstGeom>
+          <a:noFill/>
+        </p:spPr>
+        <p:txBody>
+          <a:bodyPr wrap="none">
+            <a:spAutoFit/>
+          </a:bodyPr>
+          <a:lstStyle/>
+          <a:p>
+            <a:pPr algn="r">
+              <a:defRPr sz="2800">
+                <a:solidFill>
+                  <a:srgbClr val="006400"/>
+                </a:solidFill>
+              </a:defRPr>
+            </a:pPr>
+            <a:r>
+              <a:t>mèi mèi</a:t>
+            </a:r>
+          </a:p>
+        </p:txBody>
+      </p:sp>
+      <p:sp>
+        <p:nvSpPr>
+          <p:cNvPr id="3" name="TextBox 2"/>
+          <p:cNvSpPr txBox="1"/>
+          <p:nvPr/>
+        </p:nvSpPr>
+        <p:spPr>
+          <a:xfrm>
+            <a:off x="5486400" y="1828800"/>
+            <a:ext cx="2743200" cy="1828800"/>
+          </a:xfrm>
+          <a:prstGeom prst="rect">
+            <a:avLst/>
+          </a:prstGeom>
+          <a:noFill/>
+        </p:spPr>
+        <p:txBody>
+          <a:bodyPr wrap="none">
+            <a:spAutoFit/>
+          </a:bodyPr>
+          <a:lstStyle/>
+          <a:p>
+            <a:pPr algn="r">
+              <a:defRPr sz="6000" b="1">
+                <a:solidFill>
+                  <a:srgbClr val="FF0000"/>
+                </a:solidFill>
+              </a:defRPr>
+            </a:pPr>
+            <a:r>
+              <a:t>妹妹</a:t>
+            </a:r>
+          </a:p>
+        </p:txBody>
+      </p:sp>
+      <p:sp>
+        <p:nvSpPr>
+          <p:cNvPr id="4" name="TextBox 3"/>
+          <p:cNvSpPr txBox="1"/>
+          <p:nvPr/>
+        </p:nvSpPr>
+        <p:spPr>
+          <a:xfrm>
+            <a:off x="5486400" y="4114800"/>
+            <a:ext cx="2743200" cy="914400"/>
+          </a:xfrm>
+          <a:prstGeom prst="rect">
+            <a:avLst/>
+          </a:prstGeom>
+          <a:noFill/>
+        </p:spPr>
+        <p:txBody>
+          <a:bodyPr wrap="none">
+            <a:spAutoFit/>
+          </a:bodyPr>
+          <a:lstStyle/>
+          <a:p>
+            <a:pPr algn="r">
+              <a:defRPr sz="2800">
+                <a:solidFill>
+                  <a:srgbClr val="0000FF"/>
+                </a:solidFill>
+              </a:defRPr>
+            </a:pPr>
+            <a:r>
+              <a:t>younger sister</a:t>
+            </a:r>
+          </a:p>
+        </p:txBody>
+      </p:sp>
+      <p:pic>
+        <p:nvPicPr>
+          <p:cNvPr id="5" name="tmp9qh05ovd.mp3">
+            <a:hlinkClick r:id="" action="ppaction://media"/>
+          </p:cNvPr>
+          <p:cNvPicPr>
+            <a:picLocks noChangeAspect="1"/>
+          </p:cNvPicPr>
+          <p:nvPr>
+            <a:videoFile r:link="rId3"/>
+            <p:extLst>
+              <p:ext uri="{DAA4B4D4-6D71-4841-9C94-3DE7FCFB9230}">
+                <p14:media xmlns:p14="http://schemas.microsoft.com/office/powerpoint/2010/main" r:embed="rId2"/>
+              </p:ext>
+            </p:extLst>
+          </p:nvPr>
+        </p:nvPicPr>
+        <p:blipFill>
+          <a:blip r:embed="rId4"/>
+          <a:stretch>
+            <a:fillRect/>
+          </a:stretch>
+        </p:blipFill>
+        <p:spPr>
+          <a:xfrm>
+            <a:off x="6400800" y="5029200"/>
+            <a:ext cx="1828800" cy="914400"/>
+          </a:xfrm>
+          <a:prstGeom prst="rect">
+            <a:avLst/>
+          </a:prstGeom>
+        </p:spPr>
+      </p:pic>
+    </p:spTree>
+  </p:cSld>
+  <p:clrMapOvr>
+    <a:masterClrMapping/>
+  </p:clrMapOvr>
+  <p:timing>
+    <p:tnLst>
+      <p:par>
+        <p:cTn id="1" dur="indefinite" restart="never" nodeType="tmRoot">
+          <p:childTnLst>
+            <p:video>
+              <p:cMediaNode vol="80000">
+                <p:cTn id="2" fill="hold" display="0">
+                  <p:stCondLst>
+                    <p:cond delay="indefinite"/>
+                  </p:stCondLst>
+                </p:cTn>
+                <p:tgtEl>
+                  <p:spTgt spid="5"/>
+                </p:tgtEl>
+              </p:cMediaNode>
+            </p:video>
+          </p:childTnLst>
+        </p:cTn>
+      </p:par>
+    </p:tnLst>
+  </p:timing>
+</p:sld>
+</file>
+
+<file path=ppt/slides/slide7.xml><?xml version="1.0" encoding="utf-8"?>
+<p:sld xmlns:a="http://schemas.openxmlformats.org/drawingml/2006/main" xmlns:p="http://schemas.openxmlformats.org/presentationml/2006/main" xmlns:r="http://schemas.openxmlformats.org/officeDocument/2006/relationships">
+  <p:cSld>
+    <p:bg>
+      <p:bgPr>
+        <a:solidFill>
+          <a:srgbClr val="FFEFD5"/>
+        </a:solidFill>
+        <a:effectLst/>
+      </p:bgPr>
+    </p:bg>
+    <p:spTree>
+      <p:nvGrpSpPr>
+        <p:cNvPr id="1" name=""/>
+        <p:cNvGrpSpPr/>
+        <p:nvPr/>
+      </p:nvGrpSpPr>
+      <p:grpSpPr/>
+      <p:sp>
+        <p:nvSpPr>
+          <p:cNvPr id="2" name="TextBox 1"/>
+          <p:cNvSpPr txBox="1"/>
+          <p:nvPr/>
+        </p:nvSpPr>
+        <p:spPr>
+          <a:xfrm>
+            <a:off x="5486400" y="457200"/>
+            <a:ext cx="2743200" cy="914400"/>
+          </a:xfrm>
+          <a:prstGeom prst="rect">
+            <a:avLst/>
+          </a:prstGeom>
+          <a:noFill/>
+        </p:spPr>
+        <p:txBody>
+          <a:bodyPr wrap="none">
+            <a:spAutoFit/>
+          </a:bodyPr>
+          <a:lstStyle/>
+          <a:p>
+            <a:pPr algn="r">
+              <a:defRPr sz="2800">
+                <a:solidFill>
+                  <a:srgbClr val="006400"/>
+                </a:solidFill>
+              </a:defRPr>
+            </a:pPr>
+            <a:r>
+              <a:t>dì dì</a:t>
+            </a:r>
+          </a:p>
+        </p:txBody>
+      </p:sp>
+      <p:sp>
+        <p:nvSpPr>
+          <p:cNvPr id="3" name="TextBox 2"/>
+          <p:cNvSpPr txBox="1"/>
+          <p:nvPr/>
+        </p:nvSpPr>
+        <p:spPr>
+          <a:xfrm>
+            <a:off x="5486400" y="1828800"/>
+            <a:ext cx="2743200" cy="1828800"/>
+          </a:xfrm>
+          <a:prstGeom prst="rect">
+            <a:avLst/>
+          </a:prstGeom>
+          <a:noFill/>
+        </p:spPr>
+        <p:txBody>
+          <a:bodyPr wrap="none">
+            <a:spAutoFit/>
+          </a:bodyPr>
+          <a:lstStyle/>
+          <a:p>
+            <a:pPr algn="r">
+              <a:defRPr sz="6000" b="1">
+                <a:solidFill>
+                  <a:srgbClr val="FF0000"/>
+                </a:solidFill>
+              </a:defRPr>
+            </a:pPr>
+            <a:r>
+              <a:t>弟弟</a:t>
+            </a:r>
+          </a:p>
+        </p:txBody>
+      </p:sp>
+      <p:sp>
+        <p:nvSpPr>
+          <p:cNvPr id="4" name="TextBox 3"/>
+          <p:cNvSpPr txBox="1"/>
+          <p:nvPr/>
+        </p:nvSpPr>
+        <p:spPr>
+          <a:xfrm>
+            <a:off x="5486400" y="4114800"/>
+            <a:ext cx="2743200" cy="914400"/>
+          </a:xfrm>
+          <a:prstGeom prst="rect">
+            <a:avLst/>
+          </a:prstGeom>
+          <a:noFill/>
+        </p:spPr>
+        <p:txBody>
+          <a:bodyPr wrap="none">
+            <a:spAutoFit/>
+          </a:bodyPr>
+          <a:lstStyle/>
+          <a:p>
+            <a:pPr algn="r">
+              <a:defRPr sz="2800">
+                <a:solidFill>
+                  <a:srgbClr val="0000FF"/>
+                </a:solidFill>
+              </a:defRPr>
+            </a:pPr>
+            <a:r>
+              <a:t>younger brother</a:t>
+            </a:r>
+          </a:p>
+        </p:txBody>
+      </p:sp>
+      <p:pic>
+        <p:nvPicPr>
+          <p:cNvPr id="5" name="tmpv5frz9il.mp3">
+            <a:hlinkClick r:id="" action="ppaction://media"/>
+          </p:cNvPr>
+          <p:cNvPicPr>
+            <a:picLocks noChangeAspect="1"/>
+          </p:cNvPicPr>
+          <p:nvPr>
+            <a:videoFile r:link="rId3"/>
+            <p:extLst>
+              <p:ext uri="{DAA4B4D4-6D71-4841-9C94-3DE7FCFB9230}">
+                <p14:media xmlns:p14="http://schemas.microsoft.com/office/powerpoint/2010/main" r:embed="rId2"/>
+              </p:ext>
+            </p:extLst>
+          </p:nvPr>
+        </p:nvPicPr>
+        <p:blipFill>
+          <a:blip r:embed="rId4"/>
+          <a:stretch>
+            <a:fillRect/>
+          </a:stretch>
+        </p:blipFill>
+        <p:spPr>
+          <a:xfrm>
+            <a:off x="6400800" y="5029200"/>
+            <a:ext cx="1828800" cy="914400"/>
+          </a:xfrm>
+          <a:prstGeom prst="rect">
+            <a:avLst/>
+          </a:prstGeom>
+        </p:spPr>
+      </p:pic>
+    </p:spTree>
+  </p:cSld>
+  <p:clrMapOvr>
+    <a:masterClrMapping/>
+  </p:clrMapOvr>
+  <p:timing>
+    <p:tnLst>
+      <p:par>
+        <p:cTn id="1" dur="indefinite" restart="never" nodeType="tmRoot">
+          <p:childTnLst>
+            <p:video>
+              <p:cMediaNode vol="80000">
+                <p:cTn id="2" fill="hold" display="0">
+                  <p:stCondLst>
+                    <p:cond delay="indefinite"/>
+                  </p:stCondLst>
+                </p:cTn>
+                <p:tgtEl>
+                  <p:spTgt spid="5"/>
+                </p:tgtEl>
+              </p:cMediaNode>
+            </p:video>
+          </p:childTnLst>
+        </p:cTn>
+      </p:par>
+    </p:tnLst>
+  </p:timing>
+</p:sld>
+</file>
+
+<file path=ppt/slides/slide8.xml><?xml version="1.0" encoding="utf-8"?>
+<p:sld xmlns:a="http://schemas.openxmlformats.org/drawingml/2006/main" xmlns:p="http://schemas.openxmlformats.org/presentationml/2006/main" xmlns:r="http://schemas.openxmlformats.org/officeDocument/2006/relationships">
+  <p:cSld>
+    <p:bg>
+      <p:bgPr>
+        <a:solidFill>
+          <a:srgbClr val="FFEFD5"/>
+        </a:solidFill>
+        <a:effectLst/>
+      </p:bgPr>
+    </p:bg>
+    <p:spTree>
+      <p:nvGrpSpPr>
+        <p:cNvPr id="1" name=""/>
+        <p:cNvGrpSpPr/>
+        <p:nvPr/>
+      </p:nvGrpSpPr>
+      <p:grpSpPr/>
+      <p:sp>
+        <p:nvSpPr>
+          <p:cNvPr id="2" name="TextBox 1"/>
+          <p:cNvSpPr txBox="1"/>
+          <p:nvPr/>
+        </p:nvSpPr>
+        <p:spPr>
+          <a:xfrm>
+            <a:off x="5486400" y="457200"/>
+            <a:ext cx="2743200" cy="914400"/>
+          </a:xfrm>
+          <a:prstGeom prst="rect">
+            <a:avLst/>
+          </a:prstGeom>
+          <a:noFill/>
+        </p:spPr>
+        <p:txBody>
+          <a:bodyPr wrap="none">
+            <a:spAutoFit/>
+          </a:bodyPr>
+          <a:lstStyle/>
+          <a:p>
+            <a:pPr algn="r">
+              <a:defRPr sz="2800">
+                <a:solidFill>
+                  <a:srgbClr val="006400"/>
+                </a:solidFill>
+              </a:defRPr>
+            </a:pPr>
+            <a:r>
+              <a:t>yé yé</a:t>
+            </a:r>
+          </a:p>
+        </p:txBody>
+      </p:sp>
+      <p:sp>
+        <p:nvSpPr>
+          <p:cNvPr id="3" name="TextBox 2"/>
+          <p:cNvSpPr txBox="1"/>
+          <p:nvPr/>
+        </p:nvSpPr>
+        <p:spPr>
+          <a:xfrm>
+            <a:off x="5486400" y="1828800"/>
+            <a:ext cx="2743200" cy="1828800"/>
+          </a:xfrm>
+          <a:prstGeom prst="rect">
+            <a:avLst/>
+          </a:prstGeom>
+          <a:noFill/>
+        </p:spPr>
+        <p:txBody>
+          <a:bodyPr wrap="none">
+            <a:spAutoFit/>
+          </a:bodyPr>
+          <a:lstStyle/>
+          <a:p>
+            <a:pPr algn="r">
+              <a:defRPr sz="6000" b="1">
+                <a:solidFill>
+                  <a:srgbClr val="FF0000"/>
+                </a:solidFill>
+              </a:defRPr>
+            </a:pPr>
+            <a:r>
+              <a:t>爷爷</a:t>
+            </a:r>
+          </a:p>
+        </p:txBody>
+      </p:sp>
+      <p:sp>
+        <p:nvSpPr>
+          <p:cNvPr id="4" name="TextBox 3"/>
+          <p:cNvSpPr txBox="1"/>
+          <p:nvPr/>
+        </p:nvSpPr>
+        <p:spPr>
+          <a:xfrm>
+            <a:off x="5486400" y="4114800"/>
+            <a:ext cx="2743200" cy="914400"/>
+          </a:xfrm>
+          <a:prstGeom prst="rect">
+            <a:avLst/>
+          </a:prstGeom>
+          <a:noFill/>
+        </p:spPr>
+        <p:txBody>
+          <a:bodyPr wrap="none">
+            <a:spAutoFit/>
+          </a:bodyPr>
+          <a:lstStyle/>
+          <a:p>
+            <a:pPr algn="r">
+              <a:defRPr sz="2800">
+                <a:solidFill>
+                  <a:srgbClr val="0000FF"/>
+                </a:solidFill>
+              </a:defRPr>
+            </a:pPr>
+            <a:r>
+              <a:t>grandfather (paternal)</a:t>
+            </a:r>
+          </a:p>
+        </p:txBody>
+      </p:sp>
+      <p:pic>
+        <p:nvPicPr>
+          <p:cNvPr id="5" name="tmpj28za9he.mp3">
+            <a:hlinkClick r:id="" action="ppaction://media"/>
+          </p:cNvPr>
+          <p:cNvPicPr>
+            <a:picLocks noChangeAspect="1"/>
+          </p:cNvPicPr>
+          <p:nvPr>
+            <a:videoFile r:link="rId3"/>
+            <p:extLst>
+              <p:ext uri="{DAA4B4D4-6D71-4841-9C94-3DE7FCFB9230}">
+                <p14:media xmlns:p14="http://schemas.microsoft.com/office/powerpoint/2010/main" r:embed="rId2"/>
+              </p:ext>
+            </p:extLst>
+          </p:nvPr>
+        </p:nvPicPr>
+        <p:blipFill>
+          <a:blip r:embed="rId4"/>
+          <a:stretch>
+            <a:fillRect/>
+          </a:stretch>
+        </p:blipFill>
+        <p:spPr>
+          <a:xfrm>
+            <a:off x="6400800" y="5029200"/>
+            <a:ext cx="1828800" cy="914400"/>
+          </a:xfrm>
+          <a:prstGeom prst="rect">
+            <a:avLst/>
+          </a:prstGeom>
+        </p:spPr>
+      </p:pic>
+    </p:spTree>
+  </p:cSld>
+  <p:clrMapOvr>
+    <a:masterClrMapping/>
+  </p:clrMapOvr>
+  <p:timing>
+    <p:tnLst>
+      <p:par>
+        <p:cTn id="1" dur="indefinite" restart="never" nodeType="tmRoot">
+          <p:childTnLst>
+            <p:video>
+              <p:cMediaNode vol="80000">
+                <p:cTn id="2" fill="hold" display="0">
+                  <p:stCondLst>
+                    <p:cond delay="indefinite"/>
+                  </p:stCondLst>
+                </p:cTn>
+                <p:tgtEl>
+                  <p:spTgt spid="5"/>
+                </p:tgtEl>
+              </p:cMediaNode>
+            </p:video>
+          </p:childTnLst>
+        </p:cTn>
+      </p:par>
+    </p:tnLst>
+  </p:timing>
+</p:sld>
+</file>
+
+<file path=ppt/slides/slide9.xml><?xml version="1.0" encoding="utf-8"?>
+<p:sld xmlns:a="http://schemas.openxmlformats.org/drawingml/2006/main" xmlns:p="http://schemas.openxmlformats.org/presentationml/2006/main" xmlns:r="http://schemas.openxmlformats.org/officeDocument/2006/relationships">
+  <p:cSld>
+    <p:bg>
+      <p:bgPr>
+        <a:solidFill>
+          <a:srgbClr val="FFEFD5"/>
+        </a:solidFill>
+        <a:effectLst/>
+      </p:bgPr>
+    </p:bg>
+    <p:spTree>
+      <p:nvGrpSpPr>
+        <p:cNvPr id="1" name=""/>
+        <p:cNvGrpSpPr/>
+        <p:nvPr/>
+      </p:nvGrpSpPr>
+      <p:grpSpPr/>
+      <p:sp>
+        <p:nvSpPr>
+          <p:cNvPr id="2" name="TextBox 1"/>
+          <p:cNvSpPr txBox="1"/>
+          <p:nvPr/>
+        </p:nvSpPr>
+        <p:spPr>
+          <a:xfrm>
+            <a:off x="5486400" y="457200"/>
+            <a:ext cx="2743200" cy="914400"/>
+          </a:xfrm>
+          <a:prstGeom prst="rect">
+            <a:avLst/>
+          </a:prstGeom>
+          <a:noFill/>
+        </p:spPr>
+        <p:txBody>
+          <a:bodyPr wrap="none">
+            <a:spAutoFit/>
+          </a:bodyPr>
+          <a:lstStyle/>
+          <a:p>
+            <a:pPr algn="r">
+              <a:defRPr sz="2800">
+                <a:solidFill>
+                  <a:srgbClr val="006400"/>
+                </a:solidFill>
+              </a:defRPr>
+            </a:pPr>
+            <a:r>
+              <a:t>nǎi nǎi</a:t>
+            </a:r>
+          </a:p>
+        </p:txBody>
+      </p:sp>
+      <p:sp>
+        <p:nvSpPr>
+          <p:cNvPr id="3" name="TextBox 2"/>
+          <p:cNvSpPr txBox="1"/>
+          <p:nvPr/>
+        </p:nvSpPr>
+        <p:spPr>
+          <a:xfrm>
+            <a:off x="5486400" y="1828800"/>
+            <a:ext cx="2743200" cy="1828800"/>
+          </a:xfrm>
+          <a:prstGeom prst="rect">
+            <a:avLst/>
+          </a:prstGeom>
+          <a:noFill/>
+        </p:spPr>
+        <p:txBody>
+          <a:bodyPr wrap="none">
+            <a:spAutoFit/>
+          </a:bodyPr>
+          <a:lstStyle/>
+          <a:p>
+            <a:pPr algn="r">
+              <a:defRPr sz="6000" b="1">
+                <a:solidFill>
+                  <a:srgbClr val="FF0000"/>
+                </a:solidFill>
+              </a:defRPr>
+            </a:pPr>
+            <a:r>
+              <a:t>奶奶</a:t>
+            </a:r>
+          </a:p>
+        </p:txBody>
+      </p:sp>
+      <p:sp>
+        <p:nvSpPr>
+          <p:cNvPr id="4" name="TextBox 3"/>
+          <p:cNvSpPr txBox="1"/>
+          <p:nvPr/>
+        </p:nvSpPr>
+        <p:spPr>
+          <a:xfrm>
+            <a:off x="5486400" y="4114800"/>
+            <a:ext cx="2743200" cy="914400"/>
+          </a:xfrm>
+          <a:prstGeom prst="rect">
+            <a:avLst/>
+          </a:prstGeom>
+          <a:noFill/>
+        </p:spPr>
+        <p:txBody>
+          <a:bodyPr wrap="none">
+            <a:spAutoFit/>
+          </a:bodyPr>
+          <a:lstStyle/>
+          <a:p>
+            <a:pPr algn="r">
+              <a:defRPr sz="2800">
+                <a:solidFill>
+                  <a:srgbClr val="0000FF"/>
+                </a:solidFill>
+              </a:defRPr>
+            </a:pPr>
+            <a:r>
+              <a:t>grandmother (paternal)</a:t>
+            </a:r>
+          </a:p>
+        </p:txBody>
+      </p:sp>
+      <p:pic>
+        <p:nvPicPr>
+          <p:cNvPr id="5" name="tmple6z3t5v.mp3">
+            <a:hlinkClick r:id="" action="ppaction://media"/>
+          </p:cNvPr>
+          <p:cNvPicPr>
+            <a:picLocks noChangeAspect="1"/>
+          </p:cNvPicPr>
+          <p:nvPr>
+            <a:videoFile r:link="rId3"/>
+            <p:extLst>
+              <p:ext uri="{DAA4B4D4-6D71-4841-9C94-3DE7FCFB9230}">
+                <p14:media xmlns:p14="http://schemas.microsoft.com/office/powerpoint/2010/main" r:embed="rId2"/>
+              </p:ext>
+            </p:extLst>
+          </p:nvPr>
+        </p:nvPicPr>
+        <p:blipFill>
+          <a:blip r:embed="rId4"/>
+          <a:stretch>
+            <a:fillRect/>
+          </a:stretch>
+        </p:blipFill>
+        <p:spPr>
+          <a:xfrm>
+            <a:off x="6400800" y="5029200"/>
+            <a:ext cx="1828800" cy="914400"/>
+          </a:xfrm>
+          <a:prstGeom prst="rect">
+            <a:avLst/>
+          </a:prstGeom>
+        </p:spPr>
+      </p:pic>
+    </p:spTree>
+  </p:cSld>
+  <p:clrMapOvr>
+    <a:masterClrMapping/>
+  </p:clrMapOvr>
+  <p:timing>
+    <p:tnLst>
+      <p:par>
+        <p:cTn id="1" dur="indefinite" restart="never" nodeType="tmRoot">
+          <p:childTnLst>
+            <p:video>
+              <p:cMediaNode vol="80000">
+                <p:cTn id="2" fill="hold" display="0">
+                  <p:stCondLst>
+                    <p:cond delay="indefinite"/>
+                  </p:stCondLst>
+                </p:cTn>
+                <p:tgtEl>
+                  <p:spTgt spid="5"/>
+                </p:tgtEl>
+              </p:cMediaNode>
+            </p:video>
+          </p:childTnLst>
+        </p:cTn>
+      </p:par>
+    </p:tnLst>
+  </p:timing>
 </p:sld>
 </file>
 
